--- a/DesignDocs/Design/기획 문서/몬스터생성 메뉴얼.pptx
+++ b/DesignDocs/Design/기획 문서/몬스터생성 메뉴얼.pptx
@@ -21,8 +21,9 @@
     <p:sldId id="276" r:id="rId15"/>
     <p:sldId id="277" r:id="rId16"/>
     <p:sldId id="278" r:id="rId17"/>
-    <p:sldId id="279" r:id="rId18"/>
-    <p:sldId id="280" r:id="rId19"/>
+    <p:sldId id="281" r:id="rId18"/>
+    <p:sldId id="279" r:id="rId19"/>
+    <p:sldId id="280" r:id="rId20"/>
   </p:sldIdLst>
   <p:sldSz cx="12192000" cy="6858000"/>
   <p:notesSz cx="6858000" cy="9144000"/>
@@ -4327,20 +4328,7 @@
                 <a:latin typeface="KoPub돋움체 Bold" panose="02020603020101020101" pitchFamily="18" charset="-127"/>
                 <a:ea typeface="KoPub돋움체 Bold" panose="02020603020101020101" pitchFamily="18" charset="-127"/>
               </a:rPr>
-              <a:t> </a:t>
-            </a:r>
-            <a:r>
-              <a:rPr lang="ko-KR" altLang="en-US" sz="4800" dirty="0" smtClean="0">
-                <a:solidFill>
-                  <a:schemeClr val="tx1">
-                    <a:lumMod val="65000"/>
-                    <a:lumOff val="35000"/>
-                  </a:schemeClr>
-                </a:solidFill>
-                <a:latin typeface="KoPub돋움체 Bold" panose="02020603020101020101" pitchFamily="18" charset="-127"/>
-                <a:ea typeface="KoPub돋움체 Bold" panose="02020603020101020101" pitchFamily="18" charset="-127"/>
-              </a:rPr>
-              <a:t>생성</a:t>
+              <a:t> 생성</a:t>
             </a:r>
             <a:endParaRPr lang="en-US" altLang="ko-KR" sz="4800" dirty="0" smtClean="0">
               <a:solidFill>
@@ -4612,20 +4600,7 @@
                 <a:latin typeface="KoPub돋움체 Bold" panose="02020603020101020101" pitchFamily="18" charset="-127"/>
                 <a:ea typeface="KoPub돋움체 Bold" panose="02020603020101020101" pitchFamily="18" charset="-127"/>
               </a:rPr>
-              <a:t> </a:t>
-            </a:r>
-            <a:r>
-              <a:rPr lang="ko-KR" altLang="en-US" sz="4800" dirty="0" smtClean="0">
-                <a:solidFill>
-                  <a:schemeClr val="tx1">
-                    <a:lumMod val="65000"/>
-                    <a:lumOff val="35000"/>
-                  </a:schemeClr>
-                </a:solidFill>
-                <a:latin typeface="KoPub돋움체 Bold" panose="02020603020101020101" pitchFamily="18" charset="-127"/>
-                <a:ea typeface="KoPub돋움체 Bold" panose="02020603020101020101" pitchFamily="18" charset="-127"/>
-              </a:rPr>
-              <a:t>생성</a:t>
+              <a:t> 생성</a:t>
             </a:r>
             <a:endParaRPr lang="en-US" altLang="ko-KR" sz="4800" dirty="0" smtClean="0">
               <a:solidFill>
@@ -4954,20 +4929,7 @@
                 <a:latin typeface="KoPub돋움체 Bold" panose="02020603020101020101" pitchFamily="18" charset="-127"/>
                 <a:ea typeface="KoPub돋움체 Bold" panose="02020603020101020101" pitchFamily="18" charset="-127"/>
               </a:rPr>
-              <a:t> </a:t>
-            </a:r>
-            <a:r>
-              <a:rPr lang="ko-KR" altLang="en-US" sz="4800" dirty="0" smtClean="0">
-                <a:solidFill>
-                  <a:schemeClr val="tx1">
-                    <a:lumMod val="65000"/>
-                    <a:lumOff val="35000"/>
-                  </a:schemeClr>
-                </a:solidFill>
-                <a:latin typeface="KoPub돋움체 Bold" panose="02020603020101020101" pitchFamily="18" charset="-127"/>
-                <a:ea typeface="KoPub돋움체 Bold" panose="02020603020101020101" pitchFamily="18" charset="-127"/>
-              </a:rPr>
-              <a:t>생성</a:t>
+              <a:t> 생성</a:t>
             </a:r>
             <a:endParaRPr lang="en-US" altLang="ko-KR" sz="4800" dirty="0" smtClean="0">
               <a:solidFill>
@@ -5117,20 +5079,7 @@
                 <a:latin typeface="KoPub돋움체 Bold" panose="02020603020101020101" pitchFamily="18" charset="-127"/>
                 <a:ea typeface="KoPub돋움체 Bold" panose="02020603020101020101" pitchFamily="18" charset="-127"/>
               </a:rPr>
-              <a:t> </a:t>
-            </a:r>
-            <a:r>
-              <a:rPr lang="ko-KR" altLang="en-US" sz="4800" dirty="0" smtClean="0">
-                <a:solidFill>
-                  <a:schemeClr val="tx1">
-                    <a:lumMod val="65000"/>
-                    <a:lumOff val="35000"/>
-                  </a:schemeClr>
-                </a:solidFill>
-                <a:latin typeface="KoPub돋움체 Bold" panose="02020603020101020101" pitchFamily="18" charset="-127"/>
-                <a:ea typeface="KoPub돋움체 Bold" panose="02020603020101020101" pitchFamily="18" charset="-127"/>
-              </a:rPr>
-              <a:t>생성</a:t>
+              <a:t> 생성</a:t>
             </a:r>
             <a:endParaRPr lang="en-US" altLang="ko-KR" sz="4800" dirty="0" smtClean="0">
               <a:solidFill>
@@ -5173,11 +5122,7 @@
             </a:pPr>
             <a:r>
               <a:rPr lang="ko-KR" altLang="en-US" dirty="0" err="1" smtClean="0"/>
-              <a:t>애</a:t>
-            </a:r>
-            <a:r>
-              <a:rPr lang="ko-KR" altLang="en-US" dirty="0" err="1" smtClean="0"/>
-              <a:t>니메이터</a:t>
+              <a:t>애니메이터</a:t>
             </a:r>
             <a:r>
               <a:rPr lang="ko-KR" altLang="en-US" dirty="0" smtClean="0"/>
@@ -5276,11 +5221,7 @@
             </a:r>
             <a:r>
               <a:rPr lang="ko-KR" altLang="en-US" dirty="0" smtClean="0"/>
-              <a:t>의</a:t>
-            </a:r>
-            <a:r>
-              <a:rPr lang="ko-KR" altLang="en-US" dirty="0" smtClean="0"/>
-              <a:t> 선들에 </a:t>
+              <a:t>의 선들에 </a:t>
             </a:r>
             <a:r>
               <a:rPr lang="ko-KR" altLang="en-US" dirty="0" err="1" smtClean="0"/>
@@ -5389,8 +5330,8 @@
         </p:nvCxnSpPr>
         <p:spPr>
           <a:xfrm flipH="1">
-            <a:off x="4446496" y="3730906"/>
-            <a:ext cx="1855691" cy="1120726"/>
+            <a:off x="4186518" y="3730906"/>
+            <a:ext cx="2115669" cy="1120726"/>
           </a:xfrm>
           <a:prstGeom prst="line">
             <a:avLst/>
@@ -5425,13 +5366,13 @@
         <p:spPr>
           <a:xfrm>
             <a:off x="98615" y="3097305"/>
-            <a:ext cx="4347881" cy="3508653"/>
+            <a:ext cx="4087903" cy="3508653"/>
           </a:xfrm>
           <a:prstGeom prst="rect">
             <a:avLst/>
           </a:prstGeom>
           <a:noFill/>
-          <a:ln>
+          <a:ln w="28575">
             <a:solidFill>
               <a:srgbClr val="C00000"/>
             </a:solidFill>
@@ -5975,20 +5916,7 @@
                 <a:latin typeface="KoPub돋움체 Bold" panose="02020603020101020101" pitchFamily="18" charset="-127"/>
                 <a:ea typeface="KoPub돋움체 Bold" panose="02020603020101020101" pitchFamily="18" charset="-127"/>
               </a:rPr>
-              <a:t> </a:t>
-            </a:r>
-            <a:r>
-              <a:rPr lang="ko-KR" altLang="en-US" sz="4800" dirty="0" smtClean="0">
-                <a:solidFill>
-                  <a:schemeClr val="tx1">
-                    <a:lumMod val="65000"/>
-                    <a:lumOff val="35000"/>
-                  </a:schemeClr>
-                </a:solidFill>
-                <a:latin typeface="KoPub돋움체 Bold" panose="02020603020101020101" pitchFamily="18" charset="-127"/>
-                <a:ea typeface="KoPub돋움체 Bold" panose="02020603020101020101" pitchFamily="18" charset="-127"/>
-              </a:rPr>
-              <a:t>생성</a:t>
+              <a:t> 생성</a:t>
             </a:r>
             <a:endParaRPr lang="en-US" altLang="ko-KR" sz="4800" dirty="0" smtClean="0">
               <a:solidFill>
@@ -6099,8 +6027,8 @@
         </p:nvSpPr>
         <p:spPr>
           <a:xfrm>
-            <a:off x="1219200" y="5629835"/>
-            <a:ext cx="2420472" cy="1091008"/>
+            <a:off x="1219200" y="5589349"/>
+            <a:ext cx="2420472" cy="1068740"/>
           </a:xfrm>
           <a:prstGeom prst="rect">
             <a:avLst/>
@@ -6145,7 +6073,7 @@
         </p:nvSpPr>
         <p:spPr>
           <a:xfrm>
-            <a:off x="4814047" y="5431267"/>
+            <a:off x="4814047" y="5350582"/>
             <a:ext cx="1801906" cy="1091008"/>
           </a:xfrm>
           <a:prstGeom prst="rect">
@@ -6823,10 +6751,112 @@
                 <a:latin typeface="KoPub돋움체 Bold" panose="02020603020101020101" pitchFamily="18" charset="-127"/>
                 <a:ea typeface="KoPub돋움체 Bold" panose="02020603020101020101" pitchFamily="18" charset="-127"/>
               </a:rPr>
-              <a:t> </a:t>
-            </a:r>
-            <a:r>
-              <a:rPr lang="ko-KR" altLang="en-US" sz="4800" dirty="0" smtClean="0">
+              <a:t> 생성</a:t>
+            </a:r>
+            <a:endParaRPr lang="en-US" altLang="ko-KR" sz="4800" dirty="0" smtClean="0">
+              <a:solidFill>
+                <a:schemeClr val="tx1">
+                  <a:lumMod val="65000"/>
+                  <a:lumOff val="35000"/>
+                </a:schemeClr>
+              </a:solidFill>
+              <a:latin typeface="KoPub돋움체 Bold" panose="02020603020101020101" pitchFamily="18" charset="-127"/>
+              <a:ea typeface="KoPub돋움체 Bold" panose="02020603020101020101" pitchFamily="18" charset="-127"/>
+            </a:endParaRPr>
+          </a:p>
+        </p:txBody>
+      </p:sp>
+      <p:pic>
+        <p:nvPicPr>
+          <p:cNvPr id="5" name="그림 4"/>
+          <p:cNvPicPr>
+            <a:picLocks noChangeAspect="1"/>
+          </p:cNvPicPr>
+          <p:nvPr/>
+        </p:nvPicPr>
+        <p:blipFill>
+          <a:blip r:embed="rId2">
+            <a:extLst>
+              <a:ext uri="{28A0092B-C50C-407E-A947-70E740481C1C}">
+                <a14:useLocalDpi xmlns:a14="http://schemas.microsoft.com/office/drawing/2010/main" val="0"/>
+              </a:ext>
+            </a:extLst>
+          </a:blip>
+          <a:stretch>
+            <a:fillRect/>
+          </a:stretch>
+        </p:blipFill>
+        <p:spPr>
+          <a:xfrm>
+            <a:off x="337297" y="1692928"/>
+            <a:ext cx="6819900" cy="4314825"/>
+          </a:xfrm>
+          <a:prstGeom prst="rect">
+            <a:avLst/>
+          </a:prstGeom>
+        </p:spPr>
+      </p:pic>
+    </p:spTree>
+    <p:extLst>
+      <p:ext uri="{BB962C8B-B14F-4D97-AF65-F5344CB8AC3E}">
+        <p14:creationId xmlns:p14="http://schemas.microsoft.com/office/powerpoint/2010/main" val="3502779131"/>
+      </p:ext>
+    </p:extLst>
+  </p:cSld>
+  <p:clrMapOvr>
+    <a:masterClrMapping/>
+  </p:clrMapOvr>
+  <p:timing>
+    <p:tnLst>
+      <p:par>
+        <p:cTn id="1" dur="indefinite" restart="never" nodeType="tmRoot"/>
+      </p:par>
+    </p:tnLst>
+  </p:timing>
+</p:sld>
+</file>
+
+<file path=ppt/slides/slide18.xml><?xml version="1.0" encoding="utf-8"?>
+<p:sld xmlns:a="http://schemas.openxmlformats.org/drawingml/2006/main" xmlns:r="http://schemas.openxmlformats.org/officeDocument/2006/relationships" xmlns:p="http://schemas.openxmlformats.org/presentationml/2006/main">
+  <p:cSld>
+    <p:spTree>
+      <p:nvGrpSpPr>
+        <p:cNvPr id="1" name=""/>
+        <p:cNvGrpSpPr/>
+        <p:nvPr/>
+      </p:nvGrpSpPr>
+      <p:grpSpPr>
+        <a:xfrm>
+          <a:off x="0" y="0"/>
+          <a:ext cx="0" cy="0"/>
+          <a:chOff x="0" y="0"/>
+          <a:chExt cx="0" cy="0"/>
+        </a:xfrm>
+      </p:grpSpPr>
+      <p:sp>
+        <p:nvSpPr>
+          <p:cNvPr id="6" name="TextBox 5"/>
+          <p:cNvSpPr txBox="1"/>
+          <p:nvPr/>
+        </p:nvSpPr>
+        <p:spPr>
+          <a:xfrm>
+            <a:off x="58272" y="98629"/>
+            <a:ext cx="10355727" cy="830997"/>
+          </a:xfrm>
+          <a:prstGeom prst="rect">
+            <a:avLst/>
+          </a:prstGeom>
+          <a:noFill/>
+        </p:spPr>
+        <p:txBody>
+          <a:bodyPr wrap="square" rtlCol="0">
+            <a:spAutoFit/>
+          </a:bodyPr>
+          <a:lstStyle/>
+          <a:p>
+            <a:r>
+              <a:rPr lang="ko-KR" altLang="en-US" sz="4800" dirty="0" err="1" smtClean="0">
                 <a:solidFill>
                   <a:schemeClr val="tx1">
                     <a:lumMod val="65000"/>
@@ -6836,7 +6866,72 @@
                 <a:latin typeface="KoPub돋움체 Bold" panose="02020603020101020101" pitchFamily="18" charset="-127"/>
                 <a:ea typeface="KoPub돋움체 Bold" panose="02020603020101020101" pitchFamily="18" charset="-127"/>
               </a:rPr>
-              <a:t>생성</a:t>
+              <a:t>몬스터</a:t>
+            </a:r>
+            <a:r>
+              <a:rPr lang="ko-KR" altLang="en-US" sz="4800" dirty="0" smtClean="0">
+                <a:solidFill>
+                  <a:schemeClr val="tx1">
+                    <a:lumMod val="65000"/>
+                    <a:lumOff val="35000"/>
+                  </a:schemeClr>
+                </a:solidFill>
+                <a:latin typeface="KoPub돋움체 Bold" panose="02020603020101020101" pitchFamily="18" charset="-127"/>
+                <a:ea typeface="KoPub돋움체 Bold" panose="02020603020101020101" pitchFamily="18" charset="-127"/>
+              </a:rPr>
+              <a:t> 애니메이션</a:t>
+            </a:r>
+            <a:r>
+              <a:rPr lang="en-US" altLang="ko-KR" sz="4800" dirty="0" smtClean="0">
+                <a:solidFill>
+                  <a:schemeClr val="tx1">
+                    <a:lumMod val="65000"/>
+                    <a:lumOff val="35000"/>
+                  </a:schemeClr>
+                </a:solidFill>
+                <a:latin typeface="KoPub돋움체 Bold" panose="02020603020101020101" pitchFamily="18" charset="-127"/>
+                <a:ea typeface="KoPub돋움체 Bold" panose="02020603020101020101" pitchFamily="18" charset="-127"/>
+              </a:rPr>
+              <a:t>, </a:t>
+            </a:r>
+            <a:r>
+              <a:rPr lang="ko-KR" altLang="en-US" sz="4800" dirty="0" err="1">
+                <a:solidFill>
+                  <a:schemeClr val="tx1">
+                    <a:lumMod val="65000"/>
+                    <a:lumOff val="35000"/>
+                  </a:schemeClr>
+                </a:solidFill>
+                <a:latin typeface="KoPub돋움체 Bold" panose="02020603020101020101" pitchFamily="18" charset="-127"/>
+                <a:ea typeface="KoPub돋움체 Bold" panose="02020603020101020101" pitchFamily="18" charset="-127"/>
+              </a:rPr>
+              <a:t>애</a:t>
+            </a:r>
+            <a:r>
+              <a:rPr lang="ko-KR" altLang="en-US" sz="4800" dirty="0" err="1" smtClean="0">
+                <a:solidFill>
+                  <a:schemeClr val="tx1">
+                    <a:lumMod val="65000"/>
+                    <a:lumOff val="35000"/>
+                  </a:schemeClr>
+                </a:solidFill>
+                <a:latin typeface="KoPub돋움체 Bold" panose="02020603020101020101" pitchFamily="18" charset="-127"/>
+                <a:ea typeface="KoPub돋움체 Bold" panose="02020603020101020101" pitchFamily="18" charset="-127"/>
+              </a:rPr>
+              <a:t>니메이터</a:t>
+            </a:r>
+            <a:r>
+              <a:rPr lang="ko-KR" altLang="en-US" sz="4800" dirty="0" smtClean="0">
+                <a:solidFill>
+                  <a:schemeClr val="tx1">
+                    <a:lumMod val="65000"/>
+                    <a:lumOff val="35000"/>
+                  </a:schemeClr>
+                </a:solidFill>
+                <a:latin typeface="KoPub돋움체 Bold" panose="02020603020101020101" pitchFamily="18" charset="-127"/>
+                <a:ea typeface="KoPub돋움체 Bold" panose="02020603020101020101" pitchFamily="18" charset="-127"/>
+              </a:rPr>
+              <a:t> 생성</a:t>
             </a:r>
             <a:endParaRPr lang="en-US" altLang="ko-KR" sz="4800" dirty="0" smtClean="0">
               <a:solidFill>
@@ -7570,7 +7665,7 @@
 </p:sld>
 </file>
 
-<file path=ppt/slides/slide18.xml><?xml version="1.0" encoding="utf-8"?>
+<file path=ppt/slides/slide19.xml><?xml version="1.0" encoding="utf-8"?>
 <p:sld xmlns:a="http://schemas.openxmlformats.org/drawingml/2006/main" xmlns:r="http://schemas.openxmlformats.org/officeDocument/2006/relationships" xmlns:p="http://schemas.openxmlformats.org/presentationml/2006/main">
   <p:cSld>
     <p:spTree>
@@ -9790,7 +9885,31 @@
             </a:r>
             <a:r>
               <a:rPr lang="ko-KR" altLang="en-US" dirty="0" smtClean="0"/>
-              <a:t>로 체크</a:t>
+              <a:t>로 </a:t>
+            </a:r>
+            <a:r>
+              <a:rPr lang="ko-KR" altLang="en-US" dirty="0" smtClean="0"/>
+              <a:t>체크</a:t>
+            </a:r>
+            <a:r>
+              <a:rPr lang="en-US" altLang="ko-KR" dirty="0" smtClean="0"/>
+              <a:t>(</a:t>
+            </a:r>
+            <a:r>
+              <a:rPr lang="en-US" altLang="ko-KR" dirty="0" smtClean="0"/>
+              <a:t>NPC</a:t>
+            </a:r>
+            <a:r>
+              <a:rPr lang="ko-KR" altLang="en-US" dirty="0" smtClean="0"/>
+              <a:t>의 크기에 따라서 바뀔 수 있다</a:t>
+            </a:r>
+            <a:r>
+              <a:rPr lang="en-US" altLang="ko-KR" dirty="0" smtClean="0"/>
+              <a:t>.</a:t>
+            </a:r>
+            <a:r>
+              <a:rPr lang="en-US" altLang="ko-KR" dirty="0" smtClean="0"/>
+              <a:t>)</a:t>
             </a:r>
             <a:endParaRPr lang="en-US" altLang="ko-KR" dirty="0" smtClean="0"/>
           </a:p>
